--- a/P2/Presentacion.pptx
+++ b/P2/Presentacion.pptx
@@ -31,9 +31,13 @@
     <p:sldId id="283" r:id="rId25"/>
     <p:sldId id="273" r:id="rId26"/>
     <p:sldId id="274" r:id="rId27"/>
-    <p:sldId id="284" r:id="rId28"/>
-    <p:sldId id="275" r:id="rId29"/>
-    <p:sldId id="276" r:id="rId30"/>
+    <p:sldId id="286" r:id="rId28"/>
+    <p:sldId id="284" r:id="rId29"/>
+    <p:sldId id="287" r:id="rId30"/>
+    <p:sldId id="288" r:id="rId31"/>
+    <p:sldId id="289" r:id="rId32"/>
+    <p:sldId id="275" r:id="rId33"/>
+    <p:sldId id="276" r:id="rId34"/>
   </p:sldIdLst>
   <p:sldSz cx="9144000" cy="6858000" type="screen4x3"/>
   <p:notesSz cx="6858000" cy="9144000"/>
@@ -132,6 +136,22 @@
       </a:defRPr>
     </a:lvl9pPr>
   </p:defaultTextStyle>
+  <p:extLst>
+    <p:ext uri="{EFAFB233-063F-42B5-8137-9DF3F51BA10A}">
+      <p15:sldGuideLst xmlns:p15="http://schemas.microsoft.com/office/powerpoint/2012/main">
+        <p15:guide id="1" orient="horz" pos="2160">
+          <p15:clr>
+            <a:srgbClr val="A4A3A4"/>
+          </p15:clr>
+        </p15:guide>
+        <p15:guide id="2" pos="2880">
+          <p15:clr>
+            <a:srgbClr val="A4A3A4"/>
+          </p15:clr>
+        </p15:guide>
+      </p15:sldGuideLst>
+    </p:ext>
+  </p:extLst>
 </p:presentation>
 </file>
 
@@ -317,7 +337,7 @@
             <a:fld id="{7A847CFC-816F-41D0-AAC0-9BF4FEBC753E}" type="datetimeFigureOut">
               <a:rPr lang="es-ES" smtClean="0"/>
               <a:pPr/>
-              <a:t>01/11/2017</a:t>
+              <a:t>02/11/2017</a:t>
             </a:fld>
             <a:endParaRPr lang="es-ES"/>
           </a:p>
@@ -484,7 +504,7 @@
             <a:fld id="{7A847CFC-816F-41D0-AAC0-9BF4FEBC753E}" type="datetimeFigureOut">
               <a:rPr lang="es-ES" smtClean="0"/>
               <a:pPr/>
-              <a:t>01/11/2017</a:t>
+              <a:t>02/11/2017</a:t>
             </a:fld>
             <a:endParaRPr lang="es-ES"/>
           </a:p>
@@ -661,7 +681,7 @@
             <a:fld id="{7A847CFC-816F-41D0-AAC0-9BF4FEBC753E}" type="datetimeFigureOut">
               <a:rPr lang="es-ES" smtClean="0"/>
               <a:pPr/>
-              <a:t>01/11/2017</a:t>
+              <a:t>02/11/2017</a:t>
             </a:fld>
             <a:endParaRPr lang="es-ES"/>
           </a:p>
@@ -828,7 +848,7 @@
             <a:fld id="{7A847CFC-816F-41D0-AAC0-9BF4FEBC753E}" type="datetimeFigureOut">
               <a:rPr lang="es-ES" smtClean="0"/>
               <a:pPr/>
-              <a:t>01/11/2017</a:t>
+              <a:t>02/11/2017</a:t>
             </a:fld>
             <a:endParaRPr lang="es-ES"/>
           </a:p>
@@ -1071,7 +1091,7 @@
             <a:fld id="{7A847CFC-816F-41D0-AAC0-9BF4FEBC753E}" type="datetimeFigureOut">
               <a:rPr lang="es-ES" smtClean="0"/>
               <a:pPr/>
-              <a:t>01/11/2017</a:t>
+              <a:t>02/11/2017</a:t>
             </a:fld>
             <a:endParaRPr lang="es-ES"/>
           </a:p>
@@ -1356,7 +1376,7 @@
             <a:fld id="{7A847CFC-816F-41D0-AAC0-9BF4FEBC753E}" type="datetimeFigureOut">
               <a:rPr lang="es-ES" smtClean="0"/>
               <a:pPr/>
-              <a:t>01/11/2017</a:t>
+              <a:t>02/11/2017</a:t>
             </a:fld>
             <a:endParaRPr lang="es-ES"/>
           </a:p>
@@ -1775,7 +1795,7 @@
             <a:fld id="{7A847CFC-816F-41D0-AAC0-9BF4FEBC753E}" type="datetimeFigureOut">
               <a:rPr lang="es-ES" smtClean="0"/>
               <a:pPr/>
-              <a:t>01/11/2017</a:t>
+              <a:t>02/11/2017</a:t>
             </a:fld>
             <a:endParaRPr lang="es-ES"/>
           </a:p>
@@ -1890,7 +1910,7 @@
             <a:fld id="{7A847CFC-816F-41D0-AAC0-9BF4FEBC753E}" type="datetimeFigureOut">
               <a:rPr lang="es-ES" smtClean="0"/>
               <a:pPr/>
-              <a:t>01/11/2017</a:t>
+              <a:t>02/11/2017</a:t>
             </a:fld>
             <a:endParaRPr lang="es-ES"/>
           </a:p>
@@ -1982,7 +2002,7 @@
             <a:fld id="{7A847CFC-816F-41D0-AAC0-9BF4FEBC753E}" type="datetimeFigureOut">
               <a:rPr lang="es-ES" smtClean="0"/>
               <a:pPr/>
-              <a:t>01/11/2017</a:t>
+              <a:t>02/11/2017</a:t>
             </a:fld>
             <a:endParaRPr lang="es-ES"/>
           </a:p>
@@ -2256,7 +2276,7 @@
             <a:fld id="{7A847CFC-816F-41D0-AAC0-9BF4FEBC753E}" type="datetimeFigureOut">
               <a:rPr lang="es-ES" smtClean="0"/>
               <a:pPr/>
-              <a:t>01/11/2017</a:t>
+              <a:t>02/11/2017</a:t>
             </a:fld>
             <a:endParaRPr lang="es-ES"/>
           </a:p>
@@ -2506,7 +2526,7 @@
             <a:fld id="{7A847CFC-816F-41D0-AAC0-9BF4FEBC753E}" type="datetimeFigureOut">
               <a:rPr lang="es-ES" smtClean="0"/>
               <a:pPr/>
-              <a:t>01/11/2017</a:t>
+              <a:t>02/11/2017</a:t>
             </a:fld>
             <a:endParaRPr lang="es-ES"/>
           </a:p>
@@ -2716,7 +2736,7 @@
             <a:fld id="{7A847CFC-816F-41D0-AAC0-9BF4FEBC753E}" type="datetimeFigureOut">
               <a:rPr lang="es-ES" smtClean="0"/>
               <a:pPr/>
-              <a:t>01/11/2017</a:t>
+              <a:t>02/11/2017</a:t>
             </a:fld>
             <a:endParaRPr lang="es-ES"/>
           </a:p>
@@ -3599,22 +3619,14 @@
             <a:pPr lvl="2"/>
             <a:r>
               <a:rPr lang="es-ES" dirty="0" smtClean="0"/>
-              <a:t>C</a:t>
-            </a:r>
-            <a:r>
-              <a:rPr lang="es-ES" dirty="0" smtClean="0"/>
-              <a:t>ontrol de sensores.</a:t>
+              <a:t>Control de sensores.</a:t>
             </a:r>
           </a:p>
           <a:p>
             <a:pPr lvl="2"/>
             <a:r>
               <a:rPr lang="es-ES" dirty="0" smtClean="0"/>
-              <a:t>U</a:t>
-            </a:r>
-            <a:r>
-              <a:rPr lang="es-ES" dirty="0" smtClean="0"/>
-              <a:t>n menor número de tipos de datos y estructuras de control.</a:t>
+              <a:t>Un menor número de tipos de datos y estructuras de control.</a:t>
             </a:r>
           </a:p>
           <a:p>
@@ -3902,7 +3914,6 @@
               <a:rPr lang="es-ES" dirty="0" smtClean="0"/>
               <a:t>Subrutinas.</a:t>
             </a:r>
-            <a:endParaRPr lang="es-ES" dirty="0" smtClean="0"/>
           </a:p>
           <a:p>
             <a:pPr lvl="3"/>
@@ -4047,6 +4058,13 @@
   <p:clrMapOvr>
     <a:masterClrMapping/>
   </p:clrMapOvr>
+  <p:timing>
+    <p:tnLst>
+      <p:par>
+        <p:cTn id="1" dur="indefinite" restart="never" nodeType="tmRoot"/>
+      </p:par>
+    </p:tnLst>
+  </p:timing>
 </p:sld>
 </file>
 
@@ -4313,6 +4331,13 @@
   <p:clrMapOvr>
     <a:masterClrMapping/>
   </p:clrMapOvr>
+  <p:timing>
+    <p:tnLst>
+      <p:par>
+        <p:cTn id="1" dur="indefinite" restart="never" nodeType="tmRoot"/>
+      </p:par>
+    </p:tnLst>
+  </p:timing>
 </p:sld>
 </file>
 
@@ -4414,7 +4439,6 @@
               <a:rPr lang="es-ES" dirty="0" smtClean="0"/>
               <a:t>.</a:t>
             </a:r>
-            <a:endParaRPr lang="es-ES" dirty="0" smtClean="0"/>
           </a:p>
           <a:p>
             <a:pPr lvl="2"/>
@@ -4481,11 +4505,7 @@
           <a:p>
             <a:r>
               <a:rPr lang="es-ES" dirty="0" smtClean="0"/>
-              <a:t>Í</a:t>
-            </a:r>
-            <a:r>
-              <a:rPr lang="es-ES" dirty="0" smtClean="0"/>
-              <a:t>NDICE</a:t>
+              <a:t>ÍNDICE</a:t>
             </a:r>
             <a:endParaRPr lang="es-ES" dirty="0"/>
           </a:p>
@@ -4532,7 +4552,6 @@
               <a:rPr lang="es-ES" dirty="0" smtClean="0"/>
               <a:t>Nivel textual.</a:t>
             </a:r>
-            <a:endParaRPr lang="es-ES" dirty="0" smtClean="0"/>
           </a:p>
           <a:p>
             <a:r>
@@ -4574,6 +4593,13 @@
   <p:clrMapOvr>
     <a:masterClrMapping/>
   </p:clrMapOvr>
+  <p:timing>
+    <p:tnLst>
+      <p:par>
+        <p:cTn id="1" dur="indefinite" restart="never" nodeType="tmRoot"/>
+      </p:par>
+    </p:tnLst>
+  </p:timing>
 </p:sld>
 </file>
 
@@ -4652,7 +4678,7 @@
           <a:blip r:embed="rId2">
             <a:extLst>
               <a:ext uri="{28A0092B-C50C-407E-A947-70E740481C1C}">
-                <a14:useLocalDpi xmlns="" xmlns:wpc="http://schemas.microsoft.com/office/word/2010/wordprocessingCanvas" xmlns:cx="http://schemas.microsoft.com/office/drawing/2014/chartex" xmlns:mc="http://schemas.openxmlformats.org/markup-compatibility/2006" xmlns:o="urn:schemas-microsoft-com:office:office" xmlns:m="http://schemas.openxmlformats.org/officeDocument/2006/math" xmlns:v="urn:schemas-microsoft-com:vml" xmlns:wp14="http://schemas.microsoft.com/office/word/2010/wordprocessingDrawing" xmlns:wp="http://schemas.openxmlformats.org/drawingml/2006/wordprocessingDrawing" xmlns:w10="urn:schemas-microsoft-com:office:word" xmlns:w="http://schemas.openxmlformats.org/wordprocessingml/2006/main" xmlns:w14="http://schemas.microsoft.com/office/word/2010/wordml" xmlns:w15="http://schemas.microsoft.com/office/word/2012/wordml" xmlns:w16se="http://schemas.microsoft.com/office/word/2015/wordml/symex" xmlns:wpg="http://schemas.microsoft.com/office/word/2010/wordprocessingGroup" xmlns:wpi="http://schemas.microsoft.com/office/word/2010/wordprocessingInk" xmlns:wne="http://schemas.microsoft.com/office/word/2006/wordml" xmlns:wps="http://schemas.microsoft.com/office/word/2010/wordprocessingShape" xmlns:a14="http://schemas.microsoft.com/office/drawing/2010/main" xmlns:pic="http://schemas.openxmlformats.org/drawingml/2006/picture" xmlns:lc="http://schemas.openxmlformats.org/drawingml/2006/lockedCanvas" val="0"/>
+                <a14:useLocalDpi xmlns:a14="http://schemas.microsoft.com/office/drawing/2010/main" val="0"/>
               </a:ext>
             </a:extLst>
           </a:blip>
@@ -4675,6 +4701,13 @@
   <p:clrMapOvr>
     <a:masterClrMapping/>
   </p:clrMapOvr>
+  <p:timing>
+    <p:tnLst>
+      <p:par>
+        <p:cTn id="1" dur="indefinite" restart="never" nodeType="tmRoot"/>
+      </p:par>
+    </p:tnLst>
+  </p:timing>
 </p:sld>
 </file>
 
@@ -5017,11 +5050,7 @@
             </a:r>
             <a:r>
               <a:rPr lang="es-ES" dirty="0" smtClean="0"/>
-              <a:t> que simplifican </a:t>
-            </a:r>
-            <a:r>
-              <a:rPr lang="es-ES" dirty="0" smtClean="0"/>
-              <a:t>la tarea de crear un comportamiento complejo. </a:t>
+              <a:t> que simplifican la tarea de crear un comportamiento complejo. </a:t>
             </a:r>
           </a:p>
           <a:p>
@@ -5120,7 +5149,7 @@
           <a:blip r:embed="rId2">
             <a:extLst>
               <a:ext uri="{28A0092B-C50C-407E-A947-70E740481C1C}">
-                <a14:useLocalDpi xmlns="" xmlns:wpc="http://schemas.microsoft.com/office/word/2010/wordprocessingCanvas" xmlns:cx="http://schemas.microsoft.com/office/drawing/2014/chartex" xmlns:mc="http://schemas.openxmlformats.org/markup-compatibility/2006" xmlns:o="urn:schemas-microsoft-com:office:office" xmlns:m="http://schemas.openxmlformats.org/officeDocument/2006/math" xmlns:v="urn:schemas-microsoft-com:vml" xmlns:wp14="http://schemas.microsoft.com/office/word/2010/wordprocessingDrawing" xmlns:wp="http://schemas.openxmlformats.org/drawingml/2006/wordprocessingDrawing" xmlns:w10="urn:schemas-microsoft-com:office:word" xmlns:w="http://schemas.openxmlformats.org/wordprocessingml/2006/main" xmlns:w14="http://schemas.microsoft.com/office/word/2010/wordml" xmlns:w15="http://schemas.microsoft.com/office/word/2012/wordml" xmlns:w16se="http://schemas.microsoft.com/office/word/2015/wordml/symex" xmlns:wpg="http://schemas.microsoft.com/office/word/2010/wordprocessingGroup" xmlns:wpi="http://schemas.microsoft.com/office/word/2010/wordprocessingInk" xmlns:wne="http://schemas.microsoft.com/office/word/2006/wordml" xmlns:wps="http://schemas.microsoft.com/office/word/2010/wordprocessingShape" xmlns:a14="http://schemas.microsoft.com/office/drawing/2010/main" xmlns:pic="http://schemas.openxmlformats.org/drawingml/2006/picture" xmlns:lc="http://schemas.openxmlformats.org/drawingml/2006/lockedCanvas" val="0"/>
+                <a14:useLocalDpi xmlns:a14="http://schemas.microsoft.com/office/drawing/2010/main" val="0"/>
               </a:ext>
             </a:extLst>
           </a:blip>
@@ -5143,6 +5172,13 @@
   <p:clrMapOvr>
     <a:masterClrMapping/>
   </p:clrMapOvr>
+  <p:timing>
+    <p:tnLst>
+      <p:par>
+        <p:cTn id="1" dur="indefinite" restart="never" nodeType="tmRoot"/>
+      </p:par>
+    </p:tnLst>
+  </p:timing>
 </p:sld>
 </file>
 
@@ -5198,7 +5234,9 @@
         </p:nvSpPr>
         <p:spPr/>
         <p:txBody>
-          <a:bodyPr/>
+          <a:bodyPr>
+            <a:normAutofit lnSpcReduction="10000"/>
+          </a:bodyPr>
           <a:lstStyle/>
           <a:p>
             <a:r>
@@ -5216,7 +5254,28 @@
           <a:p>
             <a:r>
               <a:rPr lang="es-ES" dirty="0" smtClean="0"/>
-              <a:t>Entre los lenguajes de este ámbito destacamos:</a:t>
+              <a:t>Compañías dedicadas a la educación:</a:t>
+            </a:r>
+          </a:p>
+          <a:p>
+            <a:pPr lvl="1"/>
+            <a:r>
+              <a:rPr lang="es-ES" dirty="0" smtClean="0"/>
+              <a:t>No suelen tener un lenguaje propietario.</a:t>
+            </a:r>
+          </a:p>
+          <a:p>
+            <a:pPr lvl="1"/>
+            <a:r>
+              <a:rPr lang="es-ES" dirty="0" smtClean="0"/>
+              <a:t>Permiten programar con lenguajes habituales.</a:t>
+            </a:r>
+            <a:endParaRPr lang="es-ES" dirty="0"/>
+          </a:p>
+          <a:p>
+            <a:r>
+              <a:rPr lang="es-ES" dirty="0" smtClean="0"/>
+              <a:t>Ejemplos:</a:t>
             </a:r>
           </a:p>
           <a:p>
@@ -5225,7 +5284,21 @@
               <a:rPr lang="es-ES" dirty="0" err="1" smtClean="0"/>
               <a:t>Scratch</a:t>
             </a:r>
-            <a:endParaRPr lang="es-ES" dirty="0" smtClean="0"/>
+            <a:r>
+              <a:rPr lang="es-ES" dirty="0" smtClean="0"/>
+              <a:t>.</a:t>
+            </a:r>
+          </a:p>
+          <a:p>
+            <a:pPr lvl="1"/>
+            <a:r>
+              <a:rPr lang="es-ES" dirty="0" err="1" smtClean="0"/>
+              <a:t>Arduino</a:t>
+            </a:r>
+            <a:r>
+              <a:rPr lang="es-ES" dirty="0" smtClean="0"/>
+              <a:t>.</a:t>
+            </a:r>
           </a:p>
         </p:txBody>
       </p:sp>
@@ -5307,70 +5380,76 @@
               <a:rPr lang="es-ES" dirty="0" smtClean="0"/>
               <a:t>:</a:t>
             </a:r>
+            <a:endParaRPr lang="es-ES" dirty="0"/>
           </a:p>
           <a:p>
             <a:pPr lvl="1"/>
             <a:r>
               <a:rPr lang="es-ES" dirty="0" smtClean="0"/>
-              <a:t>Derivado del anterior encontramos </a:t>
-            </a:r>
-            <a:r>
-              <a:rPr lang="es-ES" dirty="0" err="1" smtClean="0"/>
-              <a:t>Makeblock</a:t>
-            </a:r>
-            <a:r>
-              <a:rPr lang="es-ES" dirty="0" smtClean="0"/>
-              <a:t>:</a:t>
-            </a:r>
-          </a:p>
-          <a:p>
-            <a:pPr lvl="2"/>
-            <a:r>
-              <a:rPr lang="es-ES" dirty="0" smtClean="0"/>
-              <a:t>Software derivado de </a:t>
-            </a:r>
-            <a:r>
-              <a:rPr lang="es-ES" dirty="0" err="1" smtClean="0"/>
-              <a:t>Scratch</a:t>
-            </a:r>
-            <a:r>
-              <a:rPr lang="es-ES" dirty="0" smtClean="0"/>
+              <a:t>Lenguaj</a:t>
+            </a:r>
+            <a:r>
+              <a:rPr lang="es-ES" dirty="0" smtClean="0"/>
+              <a:t>e de programación visual y educativo.</a:t>
+            </a:r>
+          </a:p>
+          <a:p>
+            <a:pPr lvl="1"/>
+            <a:r>
+              <a:rPr lang="es-ES_tradnl" dirty="0" smtClean="0"/>
+              <a:t>Desarrollado </a:t>
+            </a:r>
+            <a:r>
+              <a:rPr lang="es-ES_tradnl" dirty="0"/>
+              <a:t>por </a:t>
+            </a:r>
+            <a:r>
+              <a:rPr lang="es-ES_tradnl" dirty="0" err="1"/>
+              <a:t>Lifelong</a:t>
+            </a:r>
+            <a:r>
+              <a:rPr lang="es-ES_tradnl" dirty="0"/>
+              <a:t> Kindergarten </a:t>
+            </a:r>
+            <a:r>
+              <a:rPr lang="es-ES_tradnl" dirty="0" err="1"/>
+              <a:t>Group</a:t>
+            </a:r>
+            <a:r>
+              <a:rPr lang="es-ES_tradnl" dirty="0"/>
+              <a:t> en el MIT </a:t>
+            </a:r>
+            <a:r>
+              <a:rPr lang="es-ES_tradnl" dirty="0" smtClean="0"/>
               <a:t>.</a:t>
             </a:r>
           </a:p>
           <a:p>
-            <a:pPr lvl="2"/>
-            <a:r>
-              <a:rPr lang="es-ES" dirty="0" smtClean="0"/>
-              <a:t>Diseñado especialmente para niños.</a:t>
-            </a:r>
-          </a:p>
-          <a:p>
-            <a:pPr lvl="2"/>
-            <a:r>
-              <a:rPr lang="es-ES" dirty="0" smtClean="0"/>
-              <a:t>Permite utilizar </a:t>
-            </a:r>
-            <a:r>
-              <a:rPr lang="es-ES" dirty="0" err="1" smtClean="0"/>
-              <a:t>Scratch</a:t>
-            </a:r>
-            <a:r>
-              <a:rPr lang="es-ES" dirty="0" smtClean="0"/>
-              <a:t> con placas </a:t>
-            </a:r>
-            <a:r>
-              <a:rPr lang="es-ES" dirty="0" err="1" smtClean="0"/>
-              <a:t>Arduino</a:t>
-            </a:r>
-            <a:r>
-              <a:rPr lang="es-ES" dirty="0" smtClean="0"/>
-              <a:t>.</a:t>
-            </a:r>
-          </a:p>
-          <a:p>
-            <a:pPr lvl="2"/>
-            <a:endParaRPr lang="es-ES" dirty="0"/>
+            <a:pPr lvl="1"/>
+            <a:r>
+              <a:rPr lang="es-ES_tradnl" dirty="0" smtClean="0"/>
+              <a:t>Paradigma imperativo.</a:t>
+            </a:r>
+          </a:p>
+          <a:p>
+            <a:pPr lvl="1"/>
+            <a:r>
+              <a:rPr lang="es-ES_tradnl" dirty="0" smtClean="0"/>
+              <a:t>Dirigido por eventos.</a:t>
+            </a:r>
+          </a:p>
+          <a:p>
+            <a:pPr lvl="1"/>
+            <a:r>
+              <a:rPr lang="es-ES_tradnl" dirty="0" smtClean="0"/>
+              <a:t>Primera versión en 2003.</a:t>
+            </a:r>
+          </a:p>
+          <a:p>
+            <a:pPr marL="457200" lvl="1" indent="0">
+              <a:buNone/>
+            </a:pPr>
+            <a:endParaRPr lang="es-ES_tradnl" dirty="0" smtClean="0"/>
           </a:p>
         </p:txBody>
       </p:sp>
@@ -5408,7 +5487,7 @@
       </p:grpSpPr>
       <p:sp>
         <p:nvSpPr>
-          <p:cNvPr id="2" name="1 Título"/>
+          <p:cNvPr id="2" name="Título 1"/>
           <p:cNvSpPr>
             <a:spLocks noGrp="1"/>
           </p:cNvSpPr>
@@ -5431,7 +5510,7 @@
       </p:sp>
       <p:sp>
         <p:nvSpPr>
-          <p:cNvPr id="3" name="2 Marcador de contenido"/>
+          <p:cNvPr id="3" name="Marcador de contenido 2"/>
           <p:cNvSpPr>
             <a:spLocks noGrp="1"/>
           </p:cNvSpPr>
@@ -5444,9 +5523,173 @@
           <a:bodyPr/>
           <a:lstStyle/>
           <a:p>
+            <a:r>
+              <a:rPr lang="es-ES" dirty="0" smtClean="0"/>
+              <a:t>Ejemplos de empresas que usan </a:t>
+            </a:r>
+            <a:r>
+              <a:rPr lang="es-ES" dirty="0" err="1" smtClean="0"/>
+              <a:t>Scratch</a:t>
+            </a:r>
+            <a:r>
+              <a:rPr lang="es-ES" dirty="0" smtClean="0"/>
+              <a:t>:</a:t>
+            </a:r>
+          </a:p>
+          <a:p>
+            <a:pPr lvl="1"/>
+            <a:r>
+              <a:rPr lang="es-ES" dirty="0" err="1" smtClean="0"/>
+              <a:t>RoboThink</a:t>
+            </a:r>
+            <a:r>
+              <a:rPr lang="es-ES" dirty="0" smtClean="0"/>
+              <a:t>.</a:t>
+            </a:r>
+          </a:p>
+          <a:p>
+            <a:pPr lvl="1"/>
+            <a:r>
+              <a:rPr lang="es-ES" dirty="0" err="1" smtClean="0"/>
+              <a:t>Phiro</a:t>
+            </a:r>
+            <a:r>
+              <a:rPr lang="es-ES" dirty="0" smtClean="0"/>
+              <a:t>.</a:t>
+            </a:r>
+          </a:p>
+          <a:p>
+            <a:r>
+              <a:rPr lang="es-ES" dirty="0" err="1" smtClean="0"/>
+              <a:t>Ejmplos</a:t>
+            </a:r>
+            <a:r>
+              <a:rPr lang="es-ES" dirty="0" smtClean="0"/>
+              <a:t> de empresas que usan </a:t>
+            </a:r>
+            <a:r>
+              <a:rPr lang="es-ES" dirty="0" err="1" smtClean="0"/>
+              <a:t>Scratch</a:t>
+            </a:r>
+            <a:r>
+              <a:rPr lang="es-ES" dirty="0" smtClean="0"/>
+              <a:t> para generar código en otro lenguaje:</a:t>
+            </a:r>
+          </a:p>
+          <a:p>
+            <a:pPr lvl="1"/>
+            <a:r>
+              <a:rPr lang="es-ES" dirty="0" smtClean="0"/>
+              <a:t>Scratch4Arduino de </a:t>
+            </a:r>
+            <a:r>
+              <a:rPr lang="es-ES" dirty="0" err="1" smtClean="0"/>
+              <a:t>ProtoCREA</a:t>
+            </a:r>
+            <a:r>
+              <a:rPr lang="es-ES" dirty="0" smtClean="0"/>
+              <a:t>.</a:t>
+            </a:r>
+          </a:p>
+          <a:p>
+            <a:pPr lvl="1"/>
+            <a:r>
+              <a:rPr lang="es-ES" dirty="0" err="1" smtClean="0"/>
+              <a:t>Mblock</a:t>
+            </a:r>
+            <a:r>
+              <a:rPr lang="es-ES" dirty="0" smtClean="0"/>
+              <a:t> utilizado por </a:t>
+            </a:r>
             <a:r>
               <a:rPr lang="es-ES" dirty="0" err="1" smtClean="0"/>
               <a:t>Makeblock</a:t>
+            </a:r>
+            <a:r>
+              <a:rPr lang="es-ES" dirty="0" smtClean="0"/>
+              <a:t>.</a:t>
+            </a:r>
+          </a:p>
+        </p:txBody>
+      </p:sp>
+    </p:spTree>
+    <p:extLst>
+      <p:ext uri="{BB962C8B-B14F-4D97-AF65-F5344CB8AC3E}">
+        <p14:creationId xmlns:p14="http://schemas.microsoft.com/office/powerpoint/2010/main" val="2228234066"/>
+      </p:ext>
+    </p:extLst>
+  </p:cSld>
+  <p:clrMapOvr>
+    <a:masterClrMapping/>
+  </p:clrMapOvr>
+  <p:timing>
+    <p:tnLst>
+      <p:par>
+        <p:cTn id="1" dur="indefinite" restart="never" nodeType="tmRoot"/>
+      </p:par>
+    </p:tnLst>
+  </p:timing>
+</p:sld>
+</file>
+
+<file path=ppt/slides/slide28.xml><?xml version="1.0" encoding="utf-8"?>
+<p:sld xmlns:a="http://schemas.openxmlformats.org/drawingml/2006/main" xmlns:r="http://schemas.openxmlformats.org/officeDocument/2006/relationships" xmlns:p="http://schemas.openxmlformats.org/presentationml/2006/main">
+  <p:cSld>
+    <p:spTree>
+      <p:nvGrpSpPr>
+        <p:cNvPr id="1" name=""/>
+        <p:cNvGrpSpPr/>
+        <p:nvPr/>
+      </p:nvGrpSpPr>
+      <p:grpSpPr>
+        <a:xfrm>
+          <a:off x="0" y="0"/>
+          <a:ext cx="0" cy="0"/>
+          <a:chOff x="0" y="0"/>
+          <a:chExt cx="0" cy="0"/>
+        </a:xfrm>
+      </p:grpSpPr>
+      <p:sp>
+        <p:nvSpPr>
+          <p:cNvPr id="2" name="1 Título"/>
+          <p:cNvSpPr>
+            <a:spLocks noGrp="1"/>
+          </p:cNvSpPr>
+          <p:nvPr>
+            <p:ph type="title"/>
+          </p:nvPr>
+        </p:nvSpPr>
+        <p:spPr/>
+        <p:txBody>
+          <a:bodyPr/>
+          <a:lstStyle/>
+          <a:p>
+            <a:r>
+              <a:rPr lang="es-ES" dirty="0" smtClean="0"/>
+              <a:t>LENGUAJES EN EDUCACIÓN</a:t>
+            </a:r>
+            <a:endParaRPr lang="es-ES" dirty="0"/>
+          </a:p>
+        </p:txBody>
+      </p:sp>
+      <p:sp>
+        <p:nvSpPr>
+          <p:cNvPr id="3" name="2 Marcador de contenido"/>
+          <p:cNvSpPr>
+            <a:spLocks noGrp="1"/>
+          </p:cNvSpPr>
+          <p:nvPr>
+            <p:ph idx="1"/>
+          </p:nvPr>
+        </p:nvSpPr>
+        <p:spPr/>
+        <p:txBody>
+          <a:bodyPr/>
+          <a:lstStyle/>
+          <a:p>
+            <a:r>
+              <a:rPr lang="es-ES" dirty="0" err="1" smtClean="0"/>
+              <a:t>Scratch</a:t>
             </a:r>
             <a:r>
               <a:rPr lang="es-ES" dirty="0" smtClean="0"/>
@@ -5478,73 +5721,6 @@
           </a:prstGeom>
         </p:spPr>
       </p:pic>
-    </p:spTree>
-  </p:cSld>
-  <p:clrMapOvr>
-    <a:masterClrMapping/>
-  </p:clrMapOvr>
-</p:sld>
-</file>
-
-<file path=ppt/slides/slide28.xml><?xml version="1.0" encoding="utf-8"?>
-<p:sld xmlns:a="http://schemas.openxmlformats.org/drawingml/2006/main" xmlns:r="http://schemas.openxmlformats.org/officeDocument/2006/relationships" xmlns:p="http://schemas.openxmlformats.org/presentationml/2006/main">
-  <p:cSld>
-    <p:spTree>
-      <p:nvGrpSpPr>
-        <p:cNvPr id="1" name=""/>
-        <p:cNvGrpSpPr/>
-        <p:nvPr/>
-      </p:nvGrpSpPr>
-      <p:grpSpPr>
-        <a:xfrm>
-          <a:off x="0" y="0"/>
-          <a:ext cx="0" cy="0"/>
-          <a:chOff x="0" y="0"/>
-          <a:chExt cx="0" cy="0"/>
-        </a:xfrm>
-      </p:grpSpPr>
-      <p:sp>
-        <p:nvSpPr>
-          <p:cNvPr id="2" name="1 Título"/>
-          <p:cNvSpPr>
-            <a:spLocks noGrp="1"/>
-          </p:cNvSpPr>
-          <p:nvPr>
-            <p:ph type="title"/>
-          </p:nvPr>
-        </p:nvSpPr>
-        <p:spPr/>
-        <p:txBody>
-          <a:bodyPr/>
-          <a:lstStyle/>
-          <a:p>
-            <a:r>
-              <a:rPr lang="es-ES" dirty="0" smtClean="0"/>
-              <a:t>CONCLUSION</a:t>
-            </a:r>
-            <a:endParaRPr lang="es-ES" dirty="0"/>
-          </a:p>
-        </p:txBody>
-      </p:sp>
-      <p:sp>
-        <p:nvSpPr>
-          <p:cNvPr id="3" name="2 Marcador de contenido"/>
-          <p:cNvSpPr>
-            <a:spLocks noGrp="1"/>
-          </p:cNvSpPr>
-          <p:nvPr>
-            <p:ph idx="1"/>
-          </p:nvPr>
-        </p:nvSpPr>
-        <p:spPr/>
-        <p:txBody>
-          <a:bodyPr/>
-          <a:lstStyle/>
-          <a:p>
-            <a:endParaRPr lang="es-ES"/>
-          </a:p>
-        </p:txBody>
-      </p:sp>
     </p:spTree>
   </p:cSld>
   <p:clrMapOvr>
@@ -5579,7 +5755,7 @@
       </p:grpSpPr>
       <p:sp>
         <p:nvSpPr>
-          <p:cNvPr id="2" name="1 Título"/>
+          <p:cNvPr id="2" name="Título 1"/>
           <p:cNvSpPr>
             <a:spLocks noGrp="1"/>
           </p:cNvSpPr>
@@ -5594,7 +5770,7 @@
           <a:p>
             <a:r>
               <a:rPr lang="es-ES" dirty="0" smtClean="0"/>
-              <a:t>BIBLIOGRAFÍA</a:t>
+              <a:t>LENGUAJES EN EDUCACIÓN</a:t>
             </a:r>
             <a:endParaRPr lang="es-ES" dirty="0"/>
           </a:p>
@@ -5602,7 +5778,7 @@
       </p:sp>
       <p:sp>
         <p:nvSpPr>
-          <p:cNvPr id="3" name="2 Marcador de contenido"/>
+          <p:cNvPr id="3" name="Marcador de contenido 2"/>
           <p:cNvSpPr>
             <a:spLocks noGrp="1"/>
           </p:cNvSpPr>
@@ -5615,15 +5791,87 @@
           <a:bodyPr/>
           <a:lstStyle/>
           <a:p>
-            <a:endParaRPr lang="es-ES"/>
+            <a:r>
+              <a:rPr lang="es-ES" dirty="0" err="1" smtClean="0"/>
+              <a:t>Arduino</a:t>
+            </a:r>
+            <a:r>
+              <a:rPr lang="es-ES" dirty="0" smtClean="0"/>
+              <a:t>:</a:t>
+            </a:r>
+          </a:p>
+          <a:p>
+            <a:pPr lvl="1"/>
+            <a:r>
+              <a:rPr lang="es-ES_tradnl" dirty="0" smtClean="0"/>
+              <a:t>Plataforma </a:t>
+            </a:r>
+            <a:r>
+              <a:rPr lang="es-ES_tradnl" dirty="0"/>
+              <a:t>electrónica open-</a:t>
+            </a:r>
+            <a:r>
+              <a:rPr lang="es-ES_tradnl" dirty="0" err="1"/>
+              <a:t>source</a:t>
+            </a:r>
+            <a:r>
+              <a:rPr lang="es-ES_tradnl" dirty="0"/>
+              <a:t> basada en hardware y software sencilla de </a:t>
+            </a:r>
+            <a:r>
+              <a:rPr lang="es-ES_tradnl" dirty="0" smtClean="0"/>
+              <a:t>usar.</a:t>
+            </a:r>
+          </a:p>
+          <a:p>
+            <a:pPr lvl="1"/>
+            <a:r>
+              <a:rPr lang="es-ES_tradnl" dirty="0" smtClean="0"/>
+              <a:t>Es </a:t>
+            </a:r>
+            <a:r>
+              <a:rPr lang="es-ES_tradnl" dirty="0"/>
+              <a:t>simplemente el lenguaje C/C++ con librerías </a:t>
+            </a:r>
+            <a:r>
+              <a:rPr lang="es-ES_tradnl" dirty="0" smtClean="0"/>
+              <a:t>añadidas.</a:t>
+            </a:r>
+          </a:p>
+          <a:p>
+            <a:pPr lvl="1"/>
+            <a:r>
+              <a:rPr lang="es-ES_tradnl" dirty="0" smtClean="0"/>
+              <a:t>Permite programación orientada a robots aunque normalmente se utilizan interfaces visuales, este es el caso de Scratch4Arduino y </a:t>
+            </a:r>
+            <a:r>
+              <a:rPr lang="es-ES_tradnl" dirty="0" err="1" smtClean="0"/>
+              <a:t>Mblock</a:t>
+            </a:r>
+            <a:r>
+              <a:rPr lang="es-ES_tradnl" dirty="0" smtClean="0"/>
+              <a:t>.</a:t>
+            </a:r>
           </a:p>
         </p:txBody>
       </p:sp>
     </p:spTree>
+    <p:extLst>
+      <p:ext uri="{BB962C8B-B14F-4D97-AF65-F5344CB8AC3E}">
+        <p14:creationId xmlns:p14="http://schemas.microsoft.com/office/powerpoint/2010/main" val="3418968195"/>
+      </p:ext>
+    </p:extLst>
   </p:cSld>
   <p:clrMapOvr>
     <a:masterClrMapping/>
   </p:clrMapOvr>
+  <p:timing>
+    <p:tnLst>
+      <p:par>
+        <p:cTn id="1" dur="indefinite" restart="never" nodeType="tmRoot"/>
+      </p:par>
+    </p:tnLst>
+  </p:timing>
 </p:sld>
 </file>
 
@@ -5654,38 +5902,98 @@
             <p:ph type="title"/>
           </p:nvPr>
         </p:nvSpPr>
-        <p:spPr/>
-        <p:txBody>
-          <a:bodyPr/>
-          <a:lstStyle/>
-          <a:p>
-            <a:r>
-              <a:rPr lang="es-ES" dirty="0" smtClean="0"/>
+        <p:spPr>
+          <a:xfrm>
+            <a:off x="457200" y="273050"/>
+            <a:ext cx="4402832" cy="1162050"/>
+          </a:xfrm>
+        </p:spPr>
+        <p:txBody>
+          <a:bodyPr>
+            <a:noAutofit/>
+          </a:bodyPr>
+          <a:lstStyle/>
+          <a:p>
+            <a:r>
+              <a:rPr lang="es-ES" sz="4800" dirty="0" smtClean="0"/>
               <a:t>INTRODUCCIÓN</a:t>
             </a:r>
+            <a:endParaRPr lang="es-ES" sz="4800" dirty="0"/>
+          </a:p>
+        </p:txBody>
+      </p:sp>
+      <p:sp>
+        <p:nvSpPr>
+          <p:cNvPr id="3" name="2 Marcador de contenido"/>
+          <p:cNvSpPr>
+            <a:spLocks noGrp="1"/>
+          </p:cNvSpPr>
+          <p:nvPr>
+            <p:ph idx="1"/>
+          </p:nvPr>
+        </p:nvSpPr>
+        <p:spPr/>
+        <p:txBody>
+          <a:bodyPr>
+            <a:normAutofit fontScale="85000" lnSpcReduction="20000"/>
+          </a:bodyPr>
+          <a:lstStyle/>
+          <a:p>
+            <a:endParaRPr lang="es-ES" dirty="0" smtClean="0"/>
+          </a:p>
+          <a:p>
             <a:endParaRPr lang="es-ES" dirty="0"/>
           </a:p>
-        </p:txBody>
-      </p:sp>
-      <p:sp>
-        <p:nvSpPr>
-          <p:cNvPr id="3" name="2 Marcador de contenido"/>
-          <p:cNvSpPr>
-            <a:spLocks noGrp="1"/>
-          </p:cNvSpPr>
-          <p:nvPr>
-            <p:ph idx="1"/>
-          </p:nvPr>
-        </p:nvSpPr>
-        <p:spPr/>
-        <p:txBody>
-          <a:bodyPr/>
-          <a:lstStyle/>
-          <a:p>
-            <a:r>
-              <a:rPr lang="es-ES" dirty="0" smtClean="0"/>
-              <a:t>Robot: Sistema electromecánico conducido por un cierto programa que le permite realizar una determinada tarea de forma autónoma.</a:t>
-            </a:r>
+          <a:p>
+            <a:endParaRPr lang="es-ES" dirty="0" smtClean="0"/>
+          </a:p>
+          <a:p>
+            <a:r>
+              <a:rPr lang="es-ES" dirty="0" smtClean="0"/>
+              <a:t>Robot: </a:t>
+            </a:r>
+          </a:p>
+          <a:p>
+            <a:pPr lvl="1"/>
+            <a:r>
+              <a:rPr lang="es-ES" dirty="0" smtClean="0"/>
+              <a:t>Viene del vocablo checo “</a:t>
+            </a:r>
+            <a:r>
+              <a:rPr lang="es-ES" dirty="0" err="1" smtClean="0"/>
+              <a:t>robota</a:t>
+            </a:r>
+            <a:r>
+              <a:rPr lang="es-ES" dirty="0" smtClean="0"/>
+              <a:t>”, que significa “servidumbre”, “trabajo forzado” o “esclavitud”, especialmente los llamados “trabajadores alquilados” que vivieron en el Imperio Austrohúngaro hasta 1848.</a:t>
+            </a:r>
+          </a:p>
+          <a:p>
+            <a:pPr lvl="1"/>
+            <a:r>
+              <a:rPr lang="es-ES" dirty="0" smtClean="0"/>
+              <a:t>Sistema electromecánico conducido por un cierto programa que le permite realizar una determinada tarea de forma autónoma.</a:t>
+            </a:r>
+            <a:endParaRPr lang="es-ES" dirty="0" smtClean="0"/>
+          </a:p>
+        </p:txBody>
+      </p:sp>
+      <p:sp>
+        <p:nvSpPr>
+          <p:cNvPr id="6" name="Marcador de texto 5"/>
+          <p:cNvSpPr>
+            <a:spLocks noGrp="1"/>
+          </p:cNvSpPr>
+          <p:nvPr>
+            <p:ph type="body" sz="half" idx="2"/>
+          </p:nvPr>
+        </p:nvSpPr>
+        <p:spPr/>
+        <p:txBody>
+          <a:bodyPr/>
+          <a:lstStyle/>
+          <a:p>
+            <a:endParaRPr lang="es-ES"/>
           </a:p>
         </p:txBody>
       </p:sp>
@@ -5705,7 +6013,7 @@
         </p:blipFill>
         <p:spPr>
           <a:xfrm>
-            <a:off x="3000364" y="3286124"/>
+            <a:off x="587375" y="2132856"/>
             <a:ext cx="2857500" cy="2857500"/>
           </a:xfrm>
           <a:prstGeom prst="rect">
@@ -5713,6 +6021,616 @@
           </a:prstGeom>
         </p:spPr>
       </p:pic>
+    </p:spTree>
+  </p:cSld>
+  <p:clrMapOvr>
+    <a:masterClrMapping/>
+  </p:clrMapOvr>
+  <p:timing>
+    <p:tnLst>
+      <p:par>
+        <p:cTn id="1" dur="indefinite" restart="never" nodeType="tmRoot"/>
+      </p:par>
+    </p:tnLst>
+  </p:timing>
+</p:sld>
+</file>
+
+<file path=ppt/slides/slide30.xml><?xml version="1.0" encoding="utf-8"?>
+<p:sld xmlns:a="http://schemas.openxmlformats.org/drawingml/2006/main" xmlns:r="http://schemas.openxmlformats.org/officeDocument/2006/relationships" xmlns:p="http://schemas.openxmlformats.org/presentationml/2006/main">
+  <p:cSld>
+    <p:spTree>
+      <p:nvGrpSpPr>
+        <p:cNvPr id="1" name=""/>
+        <p:cNvGrpSpPr/>
+        <p:nvPr/>
+      </p:nvGrpSpPr>
+      <p:grpSpPr>
+        <a:xfrm>
+          <a:off x="0" y="0"/>
+          <a:ext cx="0" cy="0"/>
+          <a:chOff x="0" y="0"/>
+          <a:chExt cx="0" cy="0"/>
+        </a:xfrm>
+      </p:grpSpPr>
+      <p:sp>
+        <p:nvSpPr>
+          <p:cNvPr id="2" name="Título 1"/>
+          <p:cNvSpPr>
+            <a:spLocks noGrp="1"/>
+          </p:cNvSpPr>
+          <p:nvPr>
+            <p:ph type="title"/>
+          </p:nvPr>
+        </p:nvSpPr>
+        <p:spPr/>
+        <p:txBody>
+          <a:bodyPr/>
+          <a:lstStyle/>
+          <a:p>
+            <a:r>
+              <a:rPr lang="es-ES" dirty="0" smtClean="0"/>
+              <a:t>LENGUAJES EN EDUCACIÓN</a:t>
+            </a:r>
+            <a:endParaRPr lang="es-ES" dirty="0"/>
+          </a:p>
+        </p:txBody>
+      </p:sp>
+      <p:sp>
+        <p:nvSpPr>
+          <p:cNvPr id="3" name="Marcador de contenido 2"/>
+          <p:cNvSpPr>
+            <a:spLocks noGrp="1"/>
+          </p:cNvSpPr>
+          <p:nvPr>
+            <p:ph idx="1"/>
+          </p:nvPr>
+        </p:nvSpPr>
+        <p:spPr/>
+        <p:txBody>
+          <a:bodyPr/>
+          <a:lstStyle/>
+          <a:p>
+            <a:r>
+              <a:rPr lang="es-ES" dirty="0" err="1" smtClean="0"/>
+              <a:t>Arduino</a:t>
+            </a:r>
+            <a:r>
+              <a:rPr lang="es-ES" dirty="0" smtClean="0"/>
+              <a:t>:</a:t>
+            </a:r>
+            <a:endParaRPr lang="es-ES" dirty="0"/>
+          </a:p>
+        </p:txBody>
+      </p:sp>
+      <p:pic>
+        <p:nvPicPr>
+          <p:cNvPr id="4" name="Imagen 3"/>
+          <p:cNvPicPr/>
+          <p:nvPr/>
+        </p:nvPicPr>
+        <p:blipFill>
+          <a:blip r:embed="rId2">
+            <a:extLst>
+              <a:ext uri="{28A0092B-C50C-407E-A947-70E740481C1C}">
+                <a14:useLocalDpi xmlns:a14="http://schemas.microsoft.com/office/drawing/2010/main" val="0"/>
+              </a:ext>
+            </a:extLst>
+          </a:blip>
+          <a:stretch>
+            <a:fillRect/>
+          </a:stretch>
+        </p:blipFill>
+        <p:spPr>
+          <a:xfrm>
+            <a:off x="3131840" y="1947703"/>
+            <a:ext cx="3516625" cy="4178460"/>
+          </a:xfrm>
+          <a:prstGeom prst="rect">
+            <a:avLst/>
+          </a:prstGeom>
+        </p:spPr>
+      </p:pic>
+    </p:spTree>
+    <p:extLst>
+      <p:ext uri="{BB962C8B-B14F-4D97-AF65-F5344CB8AC3E}">
+        <p14:creationId xmlns:p14="http://schemas.microsoft.com/office/powerpoint/2010/main" val="388651497"/>
+      </p:ext>
+    </p:extLst>
+  </p:cSld>
+  <p:clrMapOvr>
+    <a:masterClrMapping/>
+  </p:clrMapOvr>
+  <p:timing>
+    <p:tnLst>
+      <p:par>
+        <p:cTn id="1" dur="indefinite" restart="never" nodeType="tmRoot"/>
+      </p:par>
+    </p:tnLst>
+  </p:timing>
+</p:sld>
+</file>
+
+<file path=ppt/slides/slide31.xml><?xml version="1.0" encoding="utf-8"?>
+<p:sld xmlns:a="http://schemas.openxmlformats.org/drawingml/2006/main" xmlns:r="http://schemas.openxmlformats.org/officeDocument/2006/relationships" xmlns:p="http://schemas.openxmlformats.org/presentationml/2006/main">
+  <p:cSld>
+    <p:spTree>
+      <p:nvGrpSpPr>
+        <p:cNvPr id="1" name=""/>
+        <p:cNvGrpSpPr/>
+        <p:nvPr/>
+      </p:nvGrpSpPr>
+      <p:grpSpPr>
+        <a:xfrm>
+          <a:off x="0" y="0"/>
+          <a:ext cx="0" cy="0"/>
+          <a:chOff x="0" y="0"/>
+          <a:chExt cx="0" cy="0"/>
+        </a:xfrm>
+      </p:grpSpPr>
+      <p:sp>
+        <p:nvSpPr>
+          <p:cNvPr id="2" name="Título 1"/>
+          <p:cNvSpPr>
+            <a:spLocks noGrp="1"/>
+          </p:cNvSpPr>
+          <p:nvPr>
+            <p:ph type="title"/>
+          </p:nvPr>
+        </p:nvSpPr>
+        <p:spPr/>
+        <p:txBody>
+          <a:bodyPr/>
+          <a:lstStyle/>
+          <a:p>
+            <a:r>
+              <a:rPr lang="es-ES" dirty="0" smtClean="0"/>
+              <a:t>LENGUAJES EN EDUCACIÓN</a:t>
+            </a:r>
+            <a:endParaRPr lang="es-ES" dirty="0"/>
+          </a:p>
+        </p:txBody>
+      </p:sp>
+      <p:sp>
+        <p:nvSpPr>
+          <p:cNvPr id="3" name="Marcador de contenido 2"/>
+          <p:cNvSpPr>
+            <a:spLocks noGrp="1"/>
+          </p:cNvSpPr>
+          <p:nvPr>
+            <p:ph idx="1"/>
+          </p:nvPr>
+        </p:nvSpPr>
+        <p:spPr/>
+        <p:txBody>
+          <a:bodyPr/>
+          <a:lstStyle/>
+          <a:p>
+            <a:r>
+              <a:rPr lang="es-ES" dirty="0" smtClean="0"/>
+              <a:t>Además de los ya mencionados también se utilizan:</a:t>
+            </a:r>
+          </a:p>
+          <a:p>
+            <a:pPr lvl="1"/>
+            <a:r>
+              <a:rPr lang="es-ES" dirty="0" smtClean="0"/>
+              <a:t>Matlab.</a:t>
+            </a:r>
+          </a:p>
+          <a:p>
+            <a:pPr lvl="1"/>
+            <a:r>
+              <a:rPr lang="es-ES" dirty="0" smtClean="0"/>
+              <a:t>Python.</a:t>
+            </a:r>
+          </a:p>
+          <a:p>
+            <a:pPr lvl="1"/>
+            <a:r>
+              <a:rPr lang="es-ES" dirty="0" smtClean="0"/>
+              <a:t>C/C++.</a:t>
+            </a:r>
+          </a:p>
+          <a:p>
+            <a:pPr lvl="1"/>
+            <a:r>
+              <a:rPr lang="es-ES" dirty="0" smtClean="0"/>
+              <a:t>JavaScript.</a:t>
+            </a:r>
+            <a:endParaRPr lang="es-ES" dirty="0"/>
+          </a:p>
+        </p:txBody>
+      </p:sp>
+    </p:spTree>
+    <p:extLst>
+      <p:ext uri="{BB962C8B-B14F-4D97-AF65-F5344CB8AC3E}">
+        <p14:creationId xmlns:p14="http://schemas.microsoft.com/office/powerpoint/2010/main" val="2581283690"/>
+      </p:ext>
+    </p:extLst>
+  </p:cSld>
+  <p:clrMapOvr>
+    <a:masterClrMapping/>
+  </p:clrMapOvr>
+  <p:timing>
+    <p:tnLst>
+      <p:par>
+        <p:cTn id="1" dur="indefinite" restart="never" nodeType="tmRoot"/>
+      </p:par>
+    </p:tnLst>
+  </p:timing>
+</p:sld>
+</file>
+
+<file path=ppt/slides/slide32.xml><?xml version="1.0" encoding="utf-8"?>
+<p:sld xmlns:a="http://schemas.openxmlformats.org/drawingml/2006/main" xmlns:r="http://schemas.openxmlformats.org/officeDocument/2006/relationships" xmlns:p="http://schemas.openxmlformats.org/presentationml/2006/main">
+  <p:cSld>
+    <p:spTree>
+      <p:nvGrpSpPr>
+        <p:cNvPr id="1" name=""/>
+        <p:cNvGrpSpPr/>
+        <p:nvPr/>
+      </p:nvGrpSpPr>
+      <p:grpSpPr>
+        <a:xfrm>
+          <a:off x="0" y="0"/>
+          <a:ext cx="0" cy="0"/>
+          <a:chOff x="0" y="0"/>
+          <a:chExt cx="0" cy="0"/>
+        </a:xfrm>
+      </p:grpSpPr>
+      <p:sp>
+        <p:nvSpPr>
+          <p:cNvPr id="2" name="1 Título"/>
+          <p:cNvSpPr>
+            <a:spLocks noGrp="1"/>
+          </p:cNvSpPr>
+          <p:nvPr>
+            <p:ph type="title"/>
+          </p:nvPr>
+        </p:nvSpPr>
+        <p:spPr/>
+        <p:txBody>
+          <a:bodyPr/>
+          <a:lstStyle/>
+          <a:p>
+            <a:r>
+              <a:rPr lang="es-ES" dirty="0" smtClean="0"/>
+              <a:t>CONCLUSION</a:t>
+            </a:r>
+            <a:endParaRPr lang="es-ES" dirty="0"/>
+          </a:p>
+        </p:txBody>
+      </p:sp>
+      <p:sp>
+        <p:nvSpPr>
+          <p:cNvPr id="3" name="2 Marcador de contenido"/>
+          <p:cNvSpPr>
+            <a:spLocks noGrp="1"/>
+          </p:cNvSpPr>
+          <p:nvPr>
+            <p:ph idx="1"/>
+          </p:nvPr>
+        </p:nvSpPr>
+        <p:spPr/>
+        <p:txBody>
+          <a:bodyPr/>
+          <a:lstStyle/>
+          <a:p>
+            <a:r>
+              <a:rPr lang="es-ES" dirty="0" smtClean="0"/>
+              <a:t>Similitudes:</a:t>
+            </a:r>
+          </a:p>
+          <a:p>
+            <a:pPr lvl="1"/>
+            <a:r>
+              <a:rPr lang="es-ES" dirty="0" smtClean="0"/>
+              <a:t>N</a:t>
+            </a:r>
+            <a:r>
+              <a:rPr lang="es-ES_tradnl" dirty="0"/>
+              <a:t>o existe un cambio en la variedad de tareas a realizar en cada uno de </a:t>
+            </a:r>
+            <a:r>
+              <a:rPr lang="es-ES_tradnl" dirty="0" smtClean="0"/>
+              <a:t>los lenguajes mencionados.</a:t>
+            </a:r>
+          </a:p>
+          <a:p>
+            <a:r>
+              <a:rPr lang="es-ES_tradnl" dirty="0" smtClean="0"/>
+              <a:t>Diferencias:</a:t>
+            </a:r>
+          </a:p>
+          <a:p>
+            <a:pPr lvl="1"/>
+            <a:r>
+              <a:rPr lang="es-ES_tradnl" dirty="0" smtClean="0"/>
+              <a:t>Eficiencia </a:t>
+            </a:r>
+            <a:r>
+              <a:rPr lang="es-ES_tradnl" dirty="0"/>
+              <a:t>del </a:t>
+            </a:r>
+            <a:r>
+              <a:rPr lang="es-ES_tradnl" dirty="0" smtClean="0"/>
+              <a:t>código y simplicidad(en los lenguajes de empresa).</a:t>
+            </a:r>
+          </a:p>
+          <a:p>
+            <a:pPr marL="457200" lvl="1" indent="0">
+              <a:buNone/>
+            </a:pPr>
+            <a:endParaRPr lang="es-ES" dirty="0"/>
+          </a:p>
+        </p:txBody>
+      </p:sp>
+    </p:spTree>
+  </p:cSld>
+  <p:clrMapOvr>
+    <a:masterClrMapping/>
+  </p:clrMapOvr>
+  <p:timing>
+    <p:tnLst>
+      <p:par>
+        <p:cTn id="1" dur="indefinite" restart="never" nodeType="tmRoot"/>
+      </p:par>
+    </p:tnLst>
+  </p:timing>
+</p:sld>
+</file>
+
+<file path=ppt/slides/slide33.xml><?xml version="1.0" encoding="utf-8"?>
+<p:sld xmlns:a="http://schemas.openxmlformats.org/drawingml/2006/main" xmlns:r="http://schemas.openxmlformats.org/officeDocument/2006/relationships" xmlns:p="http://schemas.openxmlformats.org/presentationml/2006/main">
+  <p:cSld>
+    <p:spTree>
+      <p:nvGrpSpPr>
+        <p:cNvPr id="1" name=""/>
+        <p:cNvGrpSpPr/>
+        <p:nvPr/>
+      </p:nvGrpSpPr>
+      <p:grpSpPr>
+        <a:xfrm>
+          <a:off x="0" y="0"/>
+          <a:ext cx="0" cy="0"/>
+          <a:chOff x="0" y="0"/>
+          <a:chExt cx="0" cy="0"/>
+        </a:xfrm>
+      </p:grpSpPr>
+      <p:sp>
+        <p:nvSpPr>
+          <p:cNvPr id="2" name="1 Título"/>
+          <p:cNvSpPr>
+            <a:spLocks noGrp="1"/>
+          </p:cNvSpPr>
+          <p:nvPr>
+            <p:ph type="title"/>
+          </p:nvPr>
+        </p:nvSpPr>
+        <p:spPr/>
+        <p:txBody>
+          <a:bodyPr/>
+          <a:lstStyle/>
+          <a:p>
+            <a:r>
+              <a:rPr lang="es-ES" dirty="0" smtClean="0"/>
+              <a:t>BIBLIOGRAFÍA</a:t>
+            </a:r>
+            <a:endParaRPr lang="es-ES" dirty="0"/>
+          </a:p>
+        </p:txBody>
+      </p:sp>
+      <p:sp>
+        <p:nvSpPr>
+          <p:cNvPr id="3" name="2 Marcador de contenido"/>
+          <p:cNvSpPr>
+            <a:spLocks noGrp="1"/>
+          </p:cNvSpPr>
+          <p:nvPr>
+            <p:ph idx="1"/>
+          </p:nvPr>
+        </p:nvSpPr>
+        <p:spPr/>
+        <p:txBody>
+          <a:bodyPr>
+            <a:normAutofit fontScale="40000" lnSpcReduction="20000"/>
+          </a:bodyPr>
+          <a:lstStyle/>
+          <a:p>
+            <a:r>
+              <a:rPr lang="es-ES_tradnl" u="sng" dirty="0">
+                <a:hlinkClick r:id="rId2"/>
+              </a:rPr>
+              <a:t>https://es.wikipedia.org/wiki/Robot</a:t>
+            </a:r>
+            <a:endParaRPr lang="es-ES" dirty="0"/>
+          </a:p>
+          <a:p>
+            <a:r>
+              <a:rPr lang="es-ES_tradnl" u="sng" dirty="0">
+                <a:hlinkClick r:id="rId3"/>
+              </a:rPr>
+              <a:t>https://analisisyprogramacionoop.blogspot.com.es/2014/10/programacion-de-robots.html</a:t>
+            </a:r>
+            <a:endParaRPr lang="es-ES" dirty="0"/>
+          </a:p>
+          <a:p>
+            <a:r>
+              <a:rPr lang="es-ES_tradnl" u="sng" dirty="0">
+                <a:hlinkClick r:id="rId4"/>
+              </a:rPr>
+              <a:t>http://platea.pntic.mec.es/vgonzale/cyr_0708/archivos/_15/Tema_5.6.htm</a:t>
+            </a:r>
+            <a:endParaRPr lang="es-ES" dirty="0"/>
+          </a:p>
+          <a:p>
+            <a:r>
+              <a:rPr lang="es-ES_tradnl" u="sng" dirty="0">
+                <a:hlinkClick r:id="rId5"/>
+              </a:rPr>
+              <a:t>https://blog.robotiq.com/what-is-the-best-programming-language-for-robotics</a:t>
+            </a:r>
+            <a:endParaRPr lang="es-ES" dirty="0"/>
+          </a:p>
+          <a:p>
+            <a:r>
+              <a:rPr lang="es-ES_tradnl" u="sng" dirty="0">
+                <a:hlinkClick r:id="rId6"/>
+              </a:rPr>
+              <a:t>https://en.wikipedia.org/wiki/Educational_robotics</a:t>
+            </a:r>
+            <a:endParaRPr lang="es-ES" dirty="0"/>
+          </a:p>
+          <a:p>
+            <a:r>
+              <a:rPr lang="es-ES_tradnl" u="sng" dirty="0">
+                <a:hlinkClick r:id="rId7"/>
+              </a:rPr>
+              <a:t>http://petercorke.com/wordpress/toolboxes/robotics-toolbox</a:t>
+            </a:r>
+            <a:endParaRPr lang="es-ES" dirty="0"/>
+          </a:p>
+          <a:p>
+            <a:r>
+              <a:rPr lang="es-ES_tradnl" u="sng" dirty="0">
+                <a:hlinkClick r:id="rId8"/>
+              </a:rPr>
+              <a:t>https://www.makeblock.es/soporte/mblock/</a:t>
+            </a:r>
+            <a:endParaRPr lang="es-ES" dirty="0"/>
+          </a:p>
+          <a:p>
+            <a:r>
+              <a:rPr lang="es-ES_tradnl" u="sng" dirty="0">
+                <a:hlinkClick r:id="rId9"/>
+              </a:rPr>
+              <a:t>http://codigo21.educacion.navarra.es/autoaprendizaje/primeros-pasos-con-scratch-y-lego-wedo/</a:t>
+            </a:r>
+            <a:endParaRPr lang="es-ES" dirty="0"/>
+          </a:p>
+          <a:p>
+            <a:r>
+              <a:rPr lang="es-ES_tradnl" u="sng" dirty="0">
+                <a:hlinkClick r:id="rId10"/>
+              </a:rPr>
+              <a:t>http://www.onerobotics.com/posts/2013/introduction-to-karel-programming/</a:t>
+            </a:r>
+            <a:endParaRPr lang="es-ES" dirty="0"/>
+          </a:p>
+          <a:p>
+            <a:r>
+              <a:rPr lang="es-ES_tradnl" u="sng" dirty="0">
+                <a:hlinkClick r:id="rId11"/>
+              </a:rPr>
+              <a:t>http://www.monografias.com/trabajos3/progrob/progrob.shtml</a:t>
+            </a:r>
+            <a:endParaRPr lang="es-ES" dirty="0"/>
+          </a:p>
+          <a:p>
+            <a:r>
+              <a:rPr lang="es-ES_tradnl" u="sng" dirty="0">
+                <a:hlinkClick r:id="rId12"/>
+              </a:rPr>
+              <a:t>http://rosindustrial.org/</a:t>
+            </a:r>
+            <a:endParaRPr lang="es-ES" dirty="0"/>
+          </a:p>
+          <a:p>
+            <a:r>
+              <a:rPr lang="es-ES_tradnl" u="sng" dirty="0">
+                <a:hlinkClick r:id="rId13"/>
+              </a:rPr>
+              <a:t>https://www.roboticsbusinessreview.com/companies/?companyType=rbr_50</a:t>
+            </a:r>
+            <a:endParaRPr lang="es-ES" dirty="0"/>
+          </a:p>
+          <a:p>
+            <a:r>
+              <a:rPr lang="es-ES_tradnl" u="sng" dirty="0">
+                <a:hlinkClick r:id="rId14"/>
+              </a:rPr>
+              <a:t>https://en.wikipedia.org/wiki/RAPID</a:t>
+            </a:r>
+            <a:endParaRPr lang="es-ES" dirty="0"/>
+          </a:p>
+          <a:p>
+            <a:r>
+              <a:rPr lang="es-ES_tradnl" u="sng" dirty="0">
+                <a:hlinkClick r:id="rId15"/>
+              </a:rPr>
+              <a:t>http://hopl.info/showlanguage.prx?exp=7482</a:t>
+            </a:r>
+            <a:endParaRPr lang="es-ES" dirty="0"/>
+          </a:p>
+          <a:p>
+            <a:r>
+              <a:rPr lang="es-ES_tradnl" u="sng" dirty="0">
+                <a:hlinkClick r:id="rId16"/>
+              </a:rPr>
+              <a:t>https://wikivisually.com/lang-de/wiki/ARLA_(Programmiersprache)</a:t>
+            </a:r>
+            <a:endParaRPr lang="es-ES" dirty="0"/>
+          </a:p>
+          <a:p>
+            <a:r>
+              <a:rPr lang="es-ES_tradnl" u="sng" dirty="0">
+                <a:hlinkClick r:id="rId17"/>
+              </a:rPr>
+              <a:t>http://www.robot-forum.com/robotforum/fanuc-robot-forum/karel-load-option-in-r30ib/</a:t>
+            </a:r>
+            <a:endParaRPr lang="es-ES" dirty="0"/>
+          </a:p>
+          <a:p>
+            <a:r>
+              <a:rPr lang="es-ES_tradnl" u="sng" dirty="0">
+                <a:hlinkClick r:id="rId18"/>
+              </a:rPr>
+              <a:t>https://en.wikipedia.org/wiki/Adept_Technology</a:t>
+            </a:r>
+            <a:endParaRPr lang="es-ES" dirty="0"/>
+          </a:p>
+          <a:p>
+            <a:r>
+              <a:rPr lang="es-ES_tradnl" u="sng" dirty="0">
+                <a:hlinkClick r:id="rId19"/>
+              </a:rPr>
+              <a:t>https://es.wikipedia.org/wiki/Scratch_(lenguaje_de_programaci%C3%B3n)</a:t>
+            </a:r>
+            <a:endParaRPr lang="es-ES" dirty="0"/>
+          </a:p>
+          <a:p>
+            <a:r>
+              <a:rPr lang="es-ES_tradnl" u="sng" dirty="0">
+                <a:hlinkClick r:id="rId20"/>
+              </a:rPr>
+              <a:t>https://wiki.scratch.mit.edu/wiki/Scratch#Notable_Information</a:t>
+            </a:r>
+            <a:endParaRPr lang="es-ES" dirty="0"/>
+          </a:p>
+          <a:p>
+            <a:r>
+              <a:rPr lang="es-ES_tradnl" u="sng" dirty="0">
+                <a:hlinkClick r:id="rId6"/>
+              </a:rPr>
+              <a:t>https://en.wikipedia.org/wiki/Educational_robotics</a:t>
+            </a:r>
+            <a:endParaRPr lang="es-ES" dirty="0"/>
+          </a:p>
+          <a:p>
+            <a:r>
+              <a:rPr lang="es-ES_tradnl" u="sng" dirty="0">
+                <a:hlinkClick r:id="rId21"/>
+              </a:rPr>
+              <a:t>https://www.arduino.cc/en/Guide/Introduction</a:t>
+            </a:r>
+            <a:endParaRPr lang="es-ES" dirty="0"/>
+          </a:p>
+          <a:p>
+            <a:endParaRPr lang="es-ES" dirty="0"/>
+          </a:p>
+        </p:txBody>
+      </p:sp>
     </p:spTree>
   </p:cSld>
   <p:clrMapOvr>
@@ -6353,7 +7271,6 @@
               <a:rPr lang="es-ES" dirty="0" smtClean="0"/>
               <a:t>	</a:t>
             </a:r>
-            <a:endParaRPr lang="es-ES" dirty="0" smtClean="0"/>
           </a:p>
           <a:p>
             <a:pPr>

--- a/P2/Presentacion.pptx
+++ b/P2/Presentacion.pptx
@@ -337,7 +337,7 @@
             <a:fld id="{7A847CFC-816F-41D0-AAC0-9BF4FEBC753E}" type="datetimeFigureOut">
               <a:rPr lang="es-ES" smtClean="0"/>
               <a:pPr/>
-              <a:t>02/11/2017</a:t>
+              <a:t>03/11/2017</a:t>
             </a:fld>
             <a:endParaRPr lang="es-ES"/>
           </a:p>
@@ -504,7 +504,7 @@
             <a:fld id="{7A847CFC-816F-41D0-AAC0-9BF4FEBC753E}" type="datetimeFigureOut">
               <a:rPr lang="es-ES" smtClean="0"/>
               <a:pPr/>
-              <a:t>02/11/2017</a:t>
+              <a:t>03/11/2017</a:t>
             </a:fld>
             <a:endParaRPr lang="es-ES"/>
           </a:p>
@@ -681,7 +681,7 @@
             <a:fld id="{7A847CFC-816F-41D0-AAC0-9BF4FEBC753E}" type="datetimeFigureOut">
               <a:rPr lang="es-ES" smtClean="0"/>
               <a:pPr/>
-              <a:t>02/11/2017</a:t>
+              <a:t>03/11/2017</a:t>
             </a:fld>
             <a:endParaRPr lang="es-ES"/>
           </a:p>
@@ -848,7 +848,7 @@
             <a:fld id="{7A847CFC-816F-41D0-AAC0-9BF4FEBC753E}" type="datetimeFigureOut">
               <a:rPr lang="es-ES" smtClean="0"/>
               <a:pPr/>
-              <a:t>02/11/2017</a:t>
+              <a:t>03/11/2017</a:t>
             </a:fld>
             <a:endParaRPr lang="es-ES"/>
           </a:p>
@@ -1091,7 +1091,7 @@
             <a:fld id="{7A847CFC-816F-41D0-AAC0-9BF4FEBC753E}" type="datetimeFigureOut">
               <a:rPr lang="es-ES" smtClean="0"/>
               <a:pPr/>
-              <a:t>02/11/2017</a:t>
+              <a:t>03/11/2017</a:t>
             </a:fld>
             <a:endParaRPr lang="es-ES"/>
           </a:p>
@@ -1376,7 +1376,7 @@
             <a:fld id="{7A847CFC-816F-41D0-AAC0-9BF4FEBC753E}" type="datetimeFigureOut">
               <a:rPr lang="es-ES" smtClean="0"/>
               <a:pPr/>
-              <a:t>02/11/2017</a:t>
+              <a:t>03/11/2017</a:t>
             </a:fld>
             <a:endParaRPr lang="es-ES"/>
           </a:p>
@@ -1795,7 +1795,7 @@
             <a:fld id="{7A847CFC-816F-41D0-AAC0-9BF4FEBC753E}" type="datetimeFigureOut">
               <a:rPr lang="es-ES" smtClean="0"/>
               <a:pPr/>
-              <a:t>02/11/2017</a:t>
+              <a:t>03/11/2017</a:t>
             </a:fld>
             <a:endParaRPr lang="es-ES"/>
           </a:p>
@@ -1910,7 +1910,7 @@
             <a:fld id="{7A847CFC-816F-41D0-AAC0-9BF4FEBC753E}" type="datetimeFigureOut">
               <a:rPr lang="es-ES" smtClean="0"/>
               <a:pPr/>
-              <a:t>02/11/2017</a:t>
+              <a:t>03/11/2017</a:t>
             </a:fld>
             <a:endParaRPr lang="es-ES"/>
           </a:p>
@@ -2002,7 +2002,7 @@
             <a:fld id="{7A847CFC-816F-41D0-AAC0-9BF4FEBC753E}" type="datetimeFigureOut">
               <a:rPr lang="es-ES" smtClean="0"/>
               <a:pPr/>
-              <a:t>02/11/2017</a:t>
+              <a:t>03/11/2017</a:t>
             </a:fld>
             <a:endParaRPr lang="es-ES"/>
           </a:p>
@@ -2276,7 +2276,7 @@
             <a:fld id="{7A847CFC-816F-41D0-AAC0-9BF4FEBC753E}" type="datetimeFigureOut">
               <a:rPr lang="es-ES" smtClean="0"/>
               <a:pPr/>
-              <a:t>02/11/2017</a:t>
+              <a:t>03/11/2017</a:t>
             </a:fld>
             <a:endParaRPr lang="es-ES"/>
           </a:p>
@@ -2526,7 +2526,7 @@
             <a:fld id="{7A847CFC-816F-41D0-AAC0-9BF4FEBC753E}" type="datetimeFigureOut">
               <a:rPr lang="es-ES" smtClean="0"/>
               <a:pPr/>
-              <a:t>02/11/2017</a:t>
+              <a:t>03/11/2017</a:t>
             </a:fld>
             <a:endParaRPr lang="es-ES"/>
           </a:p>
@@ -2736,7 +2736,7 @@
             <a:fld id="{7A847CFC-816F-41D0-AAC0-9BF4FEBC753E}" type="datetimeFigureOut">
               <a:rPr lang="es-ES" smtClean="0"/>
               <a:pPr/>
-              <a:t>02/11/2017</a:t>
+              <a:t>03/11/2017</a:t>
             </a:fld>
             <a:endParaRPr lang="es-ES"/>
           </a:p>
@@ -3124,9 +3124,24 @@
           <a:p>
             <a:r>
               <a:rPr lang="es-ES" dirty="0" smtClean="0"/>
-              <a:t>P2: T7</a:t>
-            </a:r>
-            <a:endParaRPr lang="es-ES" dirty="0"/>
+              <a:t>Lenguajes para programar robots</a:t>
+            </a:r>
+            <a:br>
+              <a:rPr lang="es-ES" dirty="0" smtClean="0"/>
+            </a:br>
+            <a:r>
+              <a:rPr lang="es-ES" sz="2800" dirty="0" smtClean="0"/>
+              <a:t>(P2</a:t>
+            </a:r>
+            <a:r>
+              <a:rPr lang="es-ES" sz="2800" dirty="0" smtClean="0"/>
+              <a:t>: </a:t>
+            </a:r>
+            <a:r>
+              <a:rPr lang="es-ES" sz="2800" dirty="0" smtClean="0"/>
+              <a:t>T7)</a:t>
+            </a:r>
+            <a:endParaRPr lang="es-ES" sz="2800" dirty="0"/>
           </a:p>
         </p:txBody>
       </p:sp>
@@ -3262,7 +3277,12 @@
             <p:ph idx="1"/>
           </p:nvPr>
         </p:nvSpPr>
-        <p:spPr/>
+        <p:spPr>
+          <a:xfrm>
+            <a:off x="457200" y="1600200"/>
+            <a:ext cx="3999346" cy="4525963"/>
+          </a:xfrm>
+        </p:spPr>
         <p:txBody>
           <a:bodyPr/>
           <a:lstStyle/>
@@ -3283,21 +3303,59 @@
             <a:pPr lvl="2"/>
             <a:r>
               <a:rPr lang="es-ES" dirty="0" smtClean="0"/>
-              <a:t>STRIPS</a:t>
+              <a:t>STRIPS: lenguaje formal utilizado por el planificador con el mismo nombre por el primer robot que podía razonar sobre sus acciones, </a:t>
+            </a:r>
+            <a:r>
+              <a:rPr lang="es-ES" dirty="0" err="1" smtClean="0"/>
+              <a:t>Shakey</a:t>
+            </a:r>
+            <a:r>
+              <a:rPr lang="es-ES" dirty="0" smtClean="0"/>
+              <a:t>.</a:t>
             </a:r>
           </a:p>
           <a:p>
             <a:pPr lvl="2"/>
-            <a:r>
-              <a:rPr lang="es-ES" dirty="0" smtClean="0"/>
-              <a:t>HILARIE</a:t>
-            </a:r>
-          </a:p>
-          <a:p>
+            <a:endParaRPr lang="es-ES" dirty="0" smtClean="0"/>
+          </a:p>
+          <a:p>
+            <a:pPr marL="0" indent="0">
+              <a:buNone/>
+            </a:pPr>
             <a:endParaRPr lang="es-ES" dirty="0"/>
           </a:p>
         </p:txBody>
       </p:sp>
+      <p:pic>
+        <p:nvPicPr>
+          <p:cNvPr id="4" name="Imagen 3"/>
+          <p:cNvPicPr>
+            <a:picLocks noChangeAspect="1"/>
+          </p:cNvPicPr>
+          <p:nvPr/>
+        </p:nvPicPr>
+        <p:blipFill>
+          <a:blip r:embed="rId2">
+            <a:extLst>
+              <a:ext uri="{28A0092B-C50C-407E-A947-70E740481C1C}">
+                <a14:useLocalDpi xmlns:a14="http://schemas.microsoft.com/office/drawing/2010/main" val="0"/>
+              </a:ext>
+            </a:extLst>
+          </a:blip>
+          <a:stretch>
+            <a:fillRect/>
+          </a:stretch>
+        </p:blipFill>
+        <p:spPr>
+          <a:xfrm>
+            <a:off x="4456546" y="1439560"/>
+            <a:ext cx="4230254" cy="4871802"/>
+          </a:xfrm>
+          <a:prstGeom prst="rect">
+            <a:avLst/>
+          </a:prstGeom>
+        </p:spPr>
+      </p:pic>
     </p:spTree>
   </p:cSld>
   <p:clrMapOvr>
@@ -3488,23 +3546,26 @@
             <a:pPr lvl="1"/>
             <a:r>
               <a:rPr lang="es-ES" dirty="0" smtClean="0"/>
-              <a:t>Lenguajes como C , Java, </a:t>
-            </a:r>
-            <a:r>
-              <a:rPr lang="es-ES" dirty="0" err="1" smtClean="0"/>
-              <a:t>Python</a:t>
-            </a:r>
-            <a:r>
-              <a:rPr lang="es-ES" dirty="0" smtClean="0"/>
-              <a:t>, </a:t>
-            </a:r>
-            <a:r>
-              <a:rPr lang="es-ES" dirty="0" err="1" smtClean="0"/>
-              <a:t>Matlab</a:t>
-            </a:r>
-            <a:r>
-              <a:rPr lang="es-ES" dirty="0" smtClean="0"/>
-              <a:t>, se les añade las funcionalidades requeridas para programar robots a través de librerías importadas.</a:t>
+              <a:t>Lenguajes como C , Java, Python, Matlab, se les añade las funcionalidades requeridas para </a:t>
+            </a:r>
+            <a:r>
+              <a:rPr lang="es-ES" dirty="0" smtClean="0"/>
+              <a:t>programar </a:t>
+            </a:r>
+            <a:r>
+              <a:rPr lang="es-ES" dirty="0" smtClean="0"/>
+              <a:t>robots a través de librerías importadas</a:t>
+            </a:r>
+            <a:r>
+              <a:rPr lang="es-ES" dirty="0" smtClean="0"/>
+              <a:t>.</a:t>
+            </a:r>
+          </a:p>
+          <a:p>
+            <a:pPr lvl="1"/>
+            <a:r>
+              <a:rPr lang="es-ES" dirty="0" smtClean="0"/>
+              <a:t>Las diferencias con los lenguajes habituales solo estaría en las librerías importadas.</a:t>
             </a:r>
             <a:endParaRPr lang="es-ES" dirty="0"/>
           </a:p>
@@ -3598,7 +3659,15 @@
             <a:pPr lvl="1"/>
             <a:r>
               <a:rPr lang="es-ES" dirty="0" smtClean="0"/>
-              <a:t>Diseñados por una empresa fabricante de robots para emplearlo en sus propias unidades.</a:t>
+              <a:t>Normalmente d</a:t>
+            </a:r>
+            <a:r>
+              <a:rPr lang="es-ES" dirty="0" smtClean="0"/>
+              <a:t>iseñados </a:t>
+            </a:r>
+            <a:r>
+              <a:rPr lang="es-ES" dirty="0" smtClean="0"/>
+              <a:t>por una empresa fabricante de robots para emplearlo en sus propias unidades.</a:t>
             </a:r>
           </a:p>
           <a:p>
@@ -5131,10 +5200,8 @@
           <a:p>
             <a:r>
               <a:rPr lang="es-ES" dirty="0" smtClean="0"/>
-              <a:t>ROS-Industrial</a:t>
-            </a:r>
-          </a:p>
-          <a:p>
+              <a:t>Miembros actuales de ROS-Industrial</a:t>
+            </a:r>
             <a:endParaRPr lang="es-ES" dirty="0"/>
           </a:p>
         </p:txBody>
@@ -5386,11 +5453,7 @@
             <a:pPr lvl="1"/>
             <a:r>
               <a:rPr lang="es-ES" dirty="0" smtClean="0"/>
-              <a:t>Lenguaj</a:t>
-            </a:r>
-            <a:r>
-              <a:rPr lang="es-ES" dirty="0" smtClean="0"/>
-              <a:t>e de programación visual y educativo.</a:t>
+              <a:t>Lenguaje de programación visual y educativo.</a:t>
             </a:r>
           </a:p>
           <a:p>
@@ -5974,7 +6037,6 @@
               <a:rPr lang="es-ES" dirty="0" smtClean="0"/>
               <a:t>Sistema electromecánico conducido por un cierto programa que le permite realizar una determinada tarea de forma autónoma.</a:t>
             </a:r>
-            <a:endParaRPr lang="es-ES" dirty="0" smtClean="0"/>
           </a:p>
         </p:txBody>
       </p:sp>
@@ -6208,8 +6270,13 @@
           <a:p>
             <a:r>
               <a:rPr lang="es-ES" dirty="0" smtClean="0"/>
-              <a:t>Además de los ya mencionados también se utilizan:</a:t>
-            </a:r>
+              <a:t>Además de los ya mencionados también se </a:t>
+            </a:r>
+            <a:r>
+              <a:rPr lang="es-ES" dirty="0" smtClean="0"/>
+              <a:t>utilizan otros lenguajes habituales como:</a:t>
+            </a:r>
+            <a:endParaRPr lang="es-ES" dirty="0" smtClean="0"/>
           </a:p>
           <a:p>
             <a:pPr lvl="1"/>
@@ -6990,17 +7057,21 @@
           <a:lstStyle/>
           <a:p>
             <a:r>
-              <a:rPr lang="es-ES" smtClean="0"/>
+              <a:rPr lang="es-ES" dirty="0" smtClean="0"/>
               <a:t>Textual: </a:t>
             </a:r>
+          </a:p>
+          <a:p>
+            <a:pPr lvl="1"/>
+            <a:r>
+              <a:rPr lang="es-ES" dirty="0" smtClean="0"/>
+              <a:t>El movimiento del robot y su relación con el entorno es definida mediante un programa. Es </a:t>
+            </a:r>
+            <a:r>
+              <a:rPr lang="es-ES" dirty="0" smtClean="0"/>
+              <a:t>necesaria experiencia en programación. </a:t>
+            </a:r>
             <a:endParaRPr lang="es-ES" dirty="0" smtClean="0"/>
-          </a:p>
-          <a:p>
-            <a:pPr lvl="1"/>
-            <a:r>
-              <a:rPr lang="es-ES" dirty="0" smtClean="0"/>
-              <a:t>El movimiento del robot y su relación con el entorno es definida mediante un programa. Es necesaria la experiencia. </a:t>
-            </a:r>
           </a:p>
           <a:p>
             <a:pPr lvl="1"/>
@@ -7250,15 +7321,9 @@
             <a:pPr lvl="2"/>
             <a:r>
               <a:rPr lang="es-ES" dirty="0" smtClean="0"/>
-              <a:t>RAPT</a:t>
-            </a:r>
-          </a:p>
-          <a:p>
-            <a:pPr lvl="2"/>
-            <a:r>
-              <a:rPr lang="es-ES" dirty="0" smtClean="0"/>
-              <a:t>AUTOPASS</a:t>
-            </a:r>
+              <a:t>RAPT y AUTOPASS utilizados en el ensamblaje de piezas.</a:t>
+            </a:r>
+            <a:endParaRPr lang="es-ES" dirty="0" smtClean="0"/>
           </a:p>
           <a:p>
             <a:endParaRPr lang="es-ES" dirty="0" smtClean="0"/>
@@ -7280,6 +7345,36 @@
           </a:p>
         </p:txBody>
       </p:sp>
+      <p:pic>
+        <p:nvPicPr>
+          <p:cNvPr id="4" name="Imagen 3"/>
+          <p:cNvPicPr>
+            <a:picLocks noChangeAspect="1"/>
+          </p:cNvPicPr>
+          <p:nvPr/>
+        </p:nvPicPr>
+        <p:blipFill>
+          <a:blip r:embed="rId2">
+            <a:extLst>
+              <a:ext uri="{28A0092B-C50C-407E-A947-70E740481C1C}">
+                <a14:useLocalDpi xmlns:a14="http://schemas.microsoft.com/office/drawing/2010/main" val="0"/>
+              </a:ext>
+            </a:extLst>
+          </a:blip>
+          <a:stretch>
+            <a:fillRect/>
+          </a:stretch>
+        </p:blipFill>
+        <p:spPr>
+          <a:xfrm>
+            <a:off x="2843808" y="4293096"/>
+            <a:ext cx="3456384" cy="1427637"/>
+          </a:xfrm>
+          <a:prstGeom prst="rect">
+            <a:avLst/>
+          </a:prstGeom>
+        </p:spPr>
+      </p:pic>
     </p:spTree>
   </p:cSld>
   <p:clrMapOvr>
